--- a/Report/보고서에 첨부된 그림 및 자료/서버 모듈 구성도.pptx
+++ b/Report/보고서에 첨부된 그림 및 자료/서버 모듈 구성도.pptx
@@ -245,7 +245,7 @@
           <a:p>
             <a:fld id="{0C5A0B65-1D3E-47BC-84FF-54922DEA95BF}" type="datetimeFigureOut">
               <a:rPr lang="ko-KR" altLang="en-US" smtClean="0"/>
-              <a:t>2019-05-19</a:t>
+              <a:t>2019-05-25</a:t>
             </a:fld>
             <a:endParaRPr lang="ko-KR" altLang="en-US"/>
           </a:p>
@@ -415,7 +415,7 @@
           <a:p>
             <a:fld id="{0C5A0B65-1D3E-47BC-84FF-54922DEA95BF}" type="datetimeFigureOut">
               <a:rPr lang="ko-KR" altLang="en-US" smtClean="0"/>
-              <a:t>2019-05-19</a:t>
+              <a:t>2019-05-25</a:t>
             </a:fld>
             <a:endParaRPr lang="ko-KR" altLang="en-US"/>
           </a:p>
@@ -595,7 +595,7 @@
           <a:p>
             <a:fld id="{0C5A0B65-1D3E-47BC-84FF-54922DEA95BF}" type="datetimeFigureOut">
               <a:rPr lang="ko-KR" altLang="en-US" smtClean="0"/>
-              <a:t>2019-05-19</a:t>
+              <a:t>2019-05-25</a:t>
             </a:fld>
             <a:endParaRPr lang="ko-KR" altLang="en-US"/>
           </a:p>
@@ -765,7 +765,7 @@
           <a:p>
             <a:fld id="{0C5A0B65-1D3E-47BC-84FF-54922DEA95BF}" type="datetimeFigureOut">
               <a:rPr lang="ko-KR" altLang="en-US" smtClean="0"/>
-              <a:t>2019-05-19</a:t>
+              <a:t>2019-05-25</a:t>
             </a:fld>
             <a:endParaRPr lang="ko-KR" altLang="en-US"/>
           </a:p>
@@ -1009,7 +1009,7 @@
           <a:p>
             <a:fld id="{0C5A0B65-1D3E-47BC-84FF-54922DEA95BF}" type="datetimeFigureOut">
               <a:rPr lang="ko-KR" altLang="en-US" smtClean="0"/>
-              <a:t>2019-05-19</a:t>
+              <a:t>2019-05-25</a:t>
             </a:fld>
             <a:endParaRPr lang="ko-KR" altLang="en-US"/>
           </a:p>
@@ -1241,7 +1241,7 @@
           <a:p>
             <a:fld id="{0C5A0B65-1D3E-47BC-84FF-54922DEA95BF}" type="datetimeFigureOut">
               <a:rPr lang="ko-KR" altLang="en-US" smtClean="0"/>
-              <a:t>2019-05-19</a:t>
+              <a:t>2019-05-25</a:t>
             </a:fld>
             <a:endParaRPr lang="ko-KR" altLang="en-US"/>
           </a:p>
@@ -1608,7 +1608,7 @@
           <a:p>
             <a:fld id="{0C5A0B65-1D3E-47BC-84FF-54922DEA95BF}" type="datetimeFigureOut">
               <a:rPr lang="ko-KR" altLang="en-US" smtClean="0"/>
-              <a:t>2019-05-19</a:t>
+              <a:t>2019-05-25</a:t>
             </a:fld>
             <a:endParaRPr lang="ko-KR" altLang="en-US"/>
           </a:p>
@@ -1726,7 +1726,7 @@
           <a:p>
             <a:fld id="{0C5A0B65-1D3E-47BC-84FF-54922DEA95BF}" type="datetimeFigureOut">
               <a:rPr lang="ko-KR" altLang="en-US" smtClean="0"/>
-              <a:t>2019-05-19</a:t>
+              <a:t>2019-05-25</a:t>
             </a:fld>
             <a:endParaRPr lang="ko-KR" altLang="en-US"/>
           </a:p>
@@ -1821,7 +1821,7 @@
           <a:p>
             <a:fld id="{0C5A0B65-1D3E-47BC-84FF-54922DEA95BF}" type="datetimeFigureOut">
               <a:rPr lang="ko-KR" altLang="en-US" smtClean="0"/>
-              <a:t>2019-05-19</a:t>
+              <a:t>2019-05-25</a:t>
             </a:fld>
             <a:endParaRPr lang="ko-KR" altLang="en-US"/>
           </a:p>
@@ -2098,7 +2098,7 @@
           <a:p>
             <a:fld id="{0C5A0B65-1D3E-47BC-84FF-54922DEA95BF}" type="datetimeFigureOut">
               <a:rPr lang="ko-KR" altLang="en-US" smtClean="0"/>
-              <a:t>2019-05-19</a:t>
+              <a:t>2019-05-25</a:t>
             </a:fld>
             <a:endParaRPr lang="ko-KR" altLang="en-US"/>
           </a:p>
@@ -2355,7 +2355,7 @@
           <a:p>
             <a:fld id="{0C5A0B65-1D3E-47BC-84FF-54922DEA95BF}" type="datetimeFigureOut">
               <a:rPr lang="ko-KR" altLang="en-US" smtClean="0"/>
-              <a:t>2019-05-19</a:t>
+              <a:t>2019-05-25</a:t>
             </a:fld>
             <a:endParaRPr lang="ko-KR" altLang="en-US"/>
           </a:p>
@@ -2568,7 +2568,7 @@
           <a:p>
             <a:fld id="{0C5A0B65-1D3E-47BC-84FF-54922DEA95BF}" type="datetimeFigureOut">
               <a:rPr lang="ko-KR" altLang="en-US" smtClean="0"/>
-              <a:t>2019-05-19</a:t>
+              <a:t>2019-05-25</a:t>
             </a:fld>
             <a:endParaRPr lang="ko-KR" altLang="en-US"/>
           </a:p>
@@ -14638,12 +14638,16 @@
               <a:t>디바이스와 </a:t>
             </a:r>
             <a:r>
-              <a:rPr lang="en-US" altLang="ko-KR" sz="1100" dirty="0"/>
-              <a:t>MQTT</a:t>
+              <a:rPr lang="en-US" altLang="ko-KR" sz="1100"/>
+              <a:t>TCP/IP</a:t>
+            </a:r>
+            <a:r>
+              <a:rPr lang="ko-KR" altLang="en-US" sz="1100"/>
+              <a:t>를 </a:t>
             </a:r>
             <a:r>
               <a:rPr lang="ko-KR" altLang="en-US" sz="1100" dirty="0"/>
-              <a:t>를 사용하여 통신한다</a:t>
+              <a:t>사용하여 통신한다</a:t>
             </a:r>
             <a:r>
               <a:rPr lang="en-US" altLang="ko-KR" sz="1100" dirty="0"/>

--- a/Report/보고서에 첨부된 그림 및 자료/서버 모듈 구성도.pptx
+++ b/Report/보고서에 첨부된 그림 및 자료/서버 모듈 구성도.pptx
@@ -245,7 +245,7 @@
           <a:p>
             <a:fld id="{0C5A0B65-1D3E-47BC-84FF-54922DEA95BF}" type="datetimeFigureOut">
               <a:rPr lang="ko-KR" altLang="en-US" smtClean="0"/>
-              <a:t>2019-05-25</a:t>
+              <a:t>2019-06-09</a:t>
             </a:fld>
             <a:endParaRPr lang="ko-KR" altLang="en-US"/>
           </a:p>
@@ -415,7 +415,7 @@
           <a:p>
             <a:fld id="{0C5A0B65-1D3E-47BC-84FF-54922DEA95BF}" type="datetimeFigureOut">
               <a:rPr lang="ko-KR" altLang="en-US" smtClean="0"/>
-              <a:t>2019-05-25</a:t>
+              <a:t>2019-06-09</a:t>
             </a:fld>
             <a:endParaRPr lang="ko-KR" altLang="en-US"/>
           </a:p>
@@ -595,7 +595,7 @@
           <a:p>
             <a:fld id="{0C5A0B65-1D3E-47BC-84FF-54922DEA95BF}" type="datetimeFigureOut">
               <a:rPr lang="ko-KR" altLang="en-US" smtClean="0"/>
-              <a:t>2019-05-25</a:t>
+              <a:t>2019-06-09</a:t>
             </a:fld>
             <a:endParaRPr lang="ko-KR" altLang="en-US"/>
           </a:p>
@@ -765,7 +765,7 @@
           <a:p>
             <a:fld id="{0C5A0B65-1D3E-47BC-84FF-54922DEA95BF}" type="datetimeFigureOut">
               <a:rPr lang="ko-KR" altLang="en-US" smtClean="0"/>
-              <a:t>2019-05-25</a:t>
+              <a:t>2019-06-09</a:t>
             </a:fld>
             <a:endParaRPr lang="ko-KR" altLang="en-US"/>
           </a:p>
@@ -1009,7 +1009,7 @@
           <a:p>
             <a:fld id="{0C5A0B65-1D3E-47BC-84FF-54922DEA95BF}" type="datetimeFigureOut">
               <a:rPr lang="ko-KR" altLang="en-US" smtClean="0"/>
-              <a:t>2019-05-25</a:t>
+              <a:t>2019-06-09</a:t>
             </a:fld>
             <a:endParaRPr lang="ko-KR" altLang="en-US"/>
           </a:p>
@@ -1241,7 +1241,7 @@
           <a:p>
             <a:fld id="{0C5A0B65-1D3E-47BC-84FF-54922DEA95BF}" type="datetimeFigureOut">
               <a:rPr lang="ko-KR" altLang="en-US" smtClean="0"/>
-              <a:t>2019-05-25</a:t>
+              <a:t>2019-06-09</a:t>
             </a:fld>
             <a:endParaRPr lang="ko-KR" altLang="en-US"/>
           </a:p>
@@ -1608,7 +1608,7 @@
           <a:p>
             <a:fld id="{0C5A0B65-1D3E-47BC-84FF-54922DEA95BF}" type="datetimeFigureOut">
               <a:rPr lang="ko-KR" altLang="en-US" smtClean="0"/>
-              <a:t>2019-05-25</a:t>
+              <a:t>2019-06-09</a:t>
             </a:fld>
             <a:endParaRPr lang="ko-KR" altLang="en-US"/>
           </a:p>
@@ -1726,7 +1726,7 @@
           <a:p>
             <a:fld id="{0C5A0B65-1D3E-47BC-84FF-54922DEA95BF}" type="datetimeFigureOut">
               <a:rPr lang="ko-KR" altLang="en-US" smtClean="0"/>
-              <a:t>2019-05-25</a:t>
+              <a:t>2019-06-09</a:t>
             </a:fld>
             <a:endParaRPr lang="ko-KR" altLang="en-US"/>
           </a:p>
@@ -1821,7 +1821,7 @@
           <a:p>
             <a:fld id="{0C5A0B65-1D3E-47BC-84FF-54922DEA95BF}" type="datetimeFigureOut">
               <a:rPr lang="ko-KR" altLang="en-US" smtClean="0"/>
-              <a:t>2019-05-25</a:t>
+              <a:t>2019-06-09</a:t>
             </a:fld>
             <a:endParaRPr lang="ko-KR" altLang="en-US"/>
           </a:p>
@@ -2098,7 +2098,7 @@
           <a:p>
             <a:fld id="{0C5A0B65-1D3E-47BC-84FF-54922DEA95BF}" type="datetimeFigureOut">
               <a:rPr lang="ko-KR" altLang="en-US" smtClean="0"/>
-              <a:t>2019-05-25</a:t>
+              <a:t>2019-06-09</a:t>
             </a:fld>
             <a:endParaRPr lang="ko-KR" altLang="en-US"/>
           </a:p>
@@ -2355,7 +2355,7 @@
           <a:p>
             <a:fld id="{0C5A0B65-1D3E-47BC-84FF-54922DEA95BF}" type="datetimeFigureOut">
               <a:rPr lang="ko-KR" altLang="en-US" smtClean="0"/>
-              <a:t>2019-05-25</a:t>
+              <a:t>2019-06-09</a:t>
             </a:fld>
             <a:endParaRPr lang="ko-KR" altLang="en-US"/>
           </a:p>
@@ -2568,7 +2568,7 @@
           <a:p>
             <a:fld id="{0C5A0B65-1D3E-47BC-84FF-54922DEA95BF}" type="datetimeFigureOut">
               <a:rPr lang="ko-KR" altLang="en-US" smtClean="0"/>
-              <a:t>2019-05-25</a:t>
+              <a:t>2019-06-09</a:t>
             </a:fld>
             <a:endParaRPr lang="ko-KR" altLang="en-US"/>
           </a:p>
@@ -15921,6 +15921,657 @@
           </a:fontRef>
         </p:style>
       </p:cxnSp>
+      <p:sp>
+        <p:nvSpPr>
+          <p:cNvPr id="29" name="TextBox 28">
+            <a:extLst>
+              <a:ext uri="{FF2B5EF4-FFF2-40B4-BE49-F238E27FC236}">
+                <a16:creationId xmlns:a16="http://schemas.microsoft.com/office/drawing/2014/main" id="{CE67FF32-6120-47DB-A13B-F72A0608A5D7}"/>
+              </a:ext>
+            </a:extLst>
+          </p:cNvPr>
+          <p:cNvSpPr txBox="1"/>
+          <p:nvPr/>
+        </p:nvSpPr>
+        <p:spPr>
+          <a:xfrm>
+            <a:off x="1655409" y="4141442"/>
+            <a:ext cx="1905280" cy="430887"/>
+          </a:xfrm>
+          <a:prstGeom prst="rect">
+            <a:avLst/>
+          </a:prstGeom>
+          <a:noFill/>
+        </p:spPr>
+        <p:txBody>
+          <a:bodyPr wrap="square" rtlCol="0">
+            <a:spAutoFit/>
+          </a:bodyPr>
+          <a:lstStyle/>
+          <a:p>
+            <a:r>
+              <a:rPr lang="en-US" altLang="ko-KR" sz="1100" dirty="0"/>
+              <a:t>Input : </a:t>
+            </a:r>
+            <a:r>
+              <a:rPr lang="ko-KR" altLang="en-US" sz="1100" dirty="0"/>
+              <a:t>디바이스 설정 값</a:t>
+            </a:r>
+            <a:r>
+              <a:rPr lang="en-US" altLang="ko-KR" sz="1100" dirty="0"/>
+              <a:t>, </a:t>
+            </a:r>
+            <a:r>
+              <a:rPr lang="ko-KR" altLang="en-US" sz="1100" dirty="0"/>
+              <a:t>디바이스 로그</a:t>
+            </a:r>
+          </a:p>
+        </p:txBody>
+      </p:sp>
+      <p:sp>
+        <p:nvSpPr>
+          <p:cNvPr id="31" name="TextBox 30">
+            <a:extLst>
+              <a:ext uri="{FF2B5EF4-FFF2-40B4-BE49-F238E27FC236}">
+                <a16:creationId xmlns:a16="http://schemas.microsoft.com/office/drawing/2014/main" id="{F0805FEB-36B0-4E1D-830B-6021F9C450AE}"/>
+              </a:ext>
+            </a:extLst>
+          </p:cNvPr>
+          <p:cNvSpPr txBox="1"/>
+          <p:nvPr/>
+        </p:nvSpPr>
+        <p:spPr>
+          <a:xfrm>
+            <a:off x="2638138" y="2915662"/>
+            <a:ext cx="1359014" cy="430887"/>
+          </a:xfrm>
+          <a:prstGeom prst="rect">
+            <a:avLst/>
+          </a:prstGeom>
+          <a:noFill/>
+        </p:spPr>
+        <p:txBody>
+          <a:bodyPr wrap="square" rtlCol="0">
+            <a:spAutoFit/>
+          </a:bodyPr>
+          <a:lstStyle/>
+          <a:p>
+            <a:r>
+              <a:rPr lang="en-US" altLang="ko-KR" sz="1100" dirty="0"/>
+              <a:t>Input : </a:t>
+            </a:r>
+            <a:r>
+              <a:rPr lang="ko-KR" altLang="en-US" sz="1100" dirty="0"/>
+              <a:t>유저 </a:t>
+            </a:r>
+            <a:r>
+              <a:rPr lang="en-US" altLang="ko-KR" sz="1100" dirty="0"/>
+              <a:t>ID, </a:t>
+            </a:r>
+            <a:r>
+              <a:rPr lang="ko-KR" altLang="en-US" sz="1100" dirty="0"/>
+              <a:t>디바이스 설정 값</a:t>
+            </a:r>
+          </a:p>
+        </p:txBody>
+      </p:sp>
+      <p:sp>
+        <p:nvSpPr>
+          <p:cNvPr id="32" name="TextBox 31">
+            <a:extLst>
+              <a:ext uri="{FF2B5EF4-FFF2-40B4-BE49-F238E27FC236}">
+                <a16:creationId xmlns:a16="http://schemas.microsoft.com/office/drawing/2014/main" id="{EA0D9B0E-7C27-4A83-92B5-DC9F6E48EC2F}"/>
+              </a:ext>
+            </a:extLst>
+          </p:cNvPr>
+          <p:cNvSpPr txBox="1"/>
+          <p:nvPr/>
+        </p:nvSpPr>
+        <p:spPr>
+          <a:xfrm>
+            <a:off x="2926149" y="1713925"/>
+            <a:ext cx="1905280" cy="261610"/>
+          </a:xfrm>
+          <a:prstGeom prst="rect">
+            <a:avLst/>
+          </a:prstGeom>
+          <a:noFill/>
+        </p:spPr>
+        <p:txBody>
+          <a:bodyPr wrap="square" rtlCol="0">
+            <a:spAutoFit/>
+          </a:bodyPr>
+          <a:lstStyle/>
+          <a:p>
+            <a:r>
+              <a:rPr lang="en-US" altLang="ko-KR" sz="1100" dirty="0"/>
+              <a:t>Input : </a:t>
+            </a:r>
+            <a:r>
+              <a:rPr lang="ko-KR" altLang="en-US" sz="1100" dirty="0"/>
+              <a:t>유저 </a:t>
+            </a:r>
+            <a:r>
+              <a:rPr lang="en-US" altLang="ko-KR" sz="1100" dirty="0"/>
+              <a:t>ID</a:t>
+            </a:r>
+            <a:endParaRPr lang="ko-KR" altLang="en-US" sz="1100" dirty="0"/>
+          </a:p>
+        </p:txBody>
+      </p:sp>
+      <p:sp>
+        <p:nvSpPr>
+          <p:cNvPr id="33" name="TextBox 32">
+            <a:extLst>
+              <a:ext uri="{FF2B5EF4-FFF2-40B4-BE49-F238E27FC236}">
+                <a16:creationId xmlns:a16="http://schemas.microsoft.com/office/drawing/2014/main" id="{B0771DAE-30E3-42B8-A308-D14C306D877C}"/>
+              </a:ext>
+            </a:extLst>
+          </p:cNvPr>
+          <p:cNvSpPr txBox="1"/>
+          <p:nvPr/>
+        </p:nvSpPr>
+        <p:spPr>
+          <a:xfrm>
+            <a:off x="5999417" y="2458191"/>
+            <a:ext cx="1803258" cy="261610"/>
+          </a:xfrm>
+          <a:prstGeom prst="rect">
+            <a:avLst/>
+          </a:prstGeom>
+          <a:noFill/>
+        </p:spPr>
+        <p:txBody>
+          <a:bodyPr wrap="square" rtlCol="0">
+            <a:spAutoFit/>
+          </a:bodyPr>
+          <a:lstStyle/>
+          <a:p>
+            <a:r>
+              <a:rPr lang="en-US" altLang="ko-KR" sz="1100" dirty="0"/>
+              <a:t>Input : </a:t>
+            </a:r>
+            <a:r>
+              <a:rPr lang="ko-KR" altLang="en-US" sz="1100" dirty="0"/>
+              <a:t>디바이스 설정 값</a:t>
+            </a:r>
+          </a:p>
+        </p:txBody>
+      </p:sp>
+      <p:sp>
+        <p:nvSpPr>
+          <p:cNvPr id="35" name="TextBox 34">
+            <a:extLst>
+              <a:ext uri="{FF2B5EF4-FFF2-40B4-BE49-F238E27FC236}">
+                <a16:creationId xmlns:a16="http://schemas.microsoft.com/office/drawing/2014/main" id="{BC96B85F-CD5F-4636-BDDE-7CA912D13AAE}"/>
+              </a:ext>
+            </a:extLst>
+          </p:cNvPr>
+          <p:cNvSpPr txBox="1"/>
+          <p:nvPr/>
+        </p:nvSpPr>
+        <p:spPr>
+          <a:xfrm>
+            <a:off x="3893766" y="3982485"/>
+            <a:ext cx="1359014" cy="430887"/>
+          </a:xfrm>
+          <a:prstGeom prst="rect">
+            <a:avLst/>
+          </a:prstGeom>
+          <a:noFill/>
+        </p:spPr>
+        <p:txBody>
+          <a:bodyPr wrap="square" rtlCol="0">
+            <a:spAutoFit/>
+          </a:bodyPr>
+          <a:lstStyle/>
+          <a:p>
+            <a:r>
+              <a:rPr lang="en-US" altLang="ko-KR" sz="1100" dirty="0"/>
+              <a:t>Output : </a:t>
+            </a:r>
+            <a:r>
+              <a:rPr lang="ko-KR" altLang="en-US" sz="1100" dirty="0"/>
+              <a:t>유저 </a:t>
+            </a:r>
+            <a:r>
+              <a:rPr lang="en-US" altLang="ko-KR" sz="1100" dirty="0"/>
+              <a:t>ID, </a:t>
+            </a:r>
+            <a:r>
+              <a:rPr lang="ko-KR" altLang="en-US" sz="1100" dirty="0"/>
+              <a:t>디바이스 설정 값</a:t>
+            </a:r>
+          </a:p>
+        </p:txBody>
+      </p:sp>
+      <p:sp>
+        <p:nvSpPr>
+          <p:cNvPr id="36" name="TextBox 35">
+            <a:extLst>
+              <a:ext uri="{FF2B5EF4-FFF2-40B4-BE49-F238E27FC236}">
+                <a16:creationId xmlns:a16="http://schemas.microsoft.com/office/drawing/2014/main" id="{11F3ADB9-C7F4-4723-8DD8-FEBDD8A748CF}"/>
+              </a:ext>
+            </a:extLst>
+          </p:cNvPr>
+          <p:cNvSpPr txBox="1"/>
+          <p:nvPr/>
+        </p:nvSpPr>
+        <p:spPr>
+          <a:xfrm>
+            <a:off x="5999417" y="4007140"/>
+            <a:ext cx="1803258" cy="261610"/>
+          </a:xfrm>
+          <a:prstGeom prst="rect">
+            <a:avLst/>
+          </a:prstGeom>
+          <a:noFill/>
+        </p:spPr>
+        <p:txBody>
+          <a:bodyPr wrap="square" rtlCol="0">
+            <a:spAutoFit/>
+          </a:bodyPr>
+          <a:lstStyle/>
+          <a:p>
+            <a:r>
+              <a:rPr lang="en-US" altLang="ko-KR" sz="1100" dirty="0"/>
+              <a:t>Output : </a:t>
+            </a:r>
+            <a:r>
+              <a:rPr lang="ko-KR" altLang="en-US" sz="1100" dirty="0"/>
+              <a:t>디바이스 설정 값</a:t>
+            </a:r>
+          </a:p>
+        </p:txBody>
+      </p:sp>
+      <p:sp>
+        <p:nvSpPr>
+          <p:cNvPr id="37" name="TextBox 36">
+            <a:extLst>
+              <a:ext uri="{FF2B5EF4-FFF2-40B4-BE49-F238E27FC236}">
+                <a16:creationId xmlns:a16="http://schemas.microsoft.com/office/drawing/2014/main" id="{AD7EBE4B-6D50-4532-B19A-33C8CD1D0524}"/>
+              </a:ext>
+            </a:extLst>
+          </p:cNvPr>
+          <p:cNvSpPr txBox="1"/>
+          <p:nvPr/>
+        </p:nvSpPr>
+        <p:spPr>
+          <a:xfrm>
+            <a:off x="10205286" y="4168391"/>
+            <a:ext cx="1803258" cy="430887"/>
+          </a:xfrm>
+          <a:prstGeom prst="rect">
+            <a:avLst/>
+          </a:prstGeom>
+          <a:noFill/>
+        </p:spPr>
+        <p:txBody>
+          <a:bodyPr wrap="square" rtlCol="0">
+            <a:spAutoFit/>
+          </a:bodyPr>
+          <a:lstStyle/>
+          <a:p>
+            <a:r>
+              <a:rPr lang="en-US" altLang="ko-KR" sz="1100" dirty="0"/>
+              <a:t>Input : </a:t>
+            </a:r>
+            <a:r>
+              <a:rPr lang="ko-KR" altLang="en-US" sz="1100" dirty="0"/>
+              <a:t>디바이스 설정 값</a:t>
+            </a:r>
+            <a:r>
+              <a:rPr lang="en-US" altLang="ko-KR" sz="1100" dirty="0"/>
+              <a:t>, </a:t>
+            </a:r>
+            <a:r>
+              <a:rPr lang="ko-KR" altLang="en-US" sz="1100" dirty="0"/>
+              <a:t>식사 신호</a:t>
+            </a:r>
+          </a:p>
+        </p:txBody>
+      </p:sp>
+      <p:sp>
+        <p:nvSpPr>
+          <p:cNvPr id="38" name="TextBox 37">
+            <a:extLst>
+              <a:ext uri="{FF2B5EF4-FFF2-40B4-BE49-F238E27FC236}">
+                <a16:creationId xmlns:a16="http://schemas.microsoft.com/office/drawing/2014/main" id="{93720D64-9214-425B-9EA8-638153DC39BA}"/>
+              </a:ext>
+            </a:extLst>
+          </p:cNvPr>
+          <p:cNvSpPr txBox="1"/>
+          <p:nvPr/>
+        </p:nvSpPr>
+        <p:spPr>
+          <a:xfrm>
+            <a:off x="6107189" y="5783363"/>
+            <a:ext cx="1803258" cy="261610"/>
+          </a:xfrm>
+          <a:prstGeom prst="rect">
+            <a:avLst/>
+          </a:prstGeom>
+          <a:noFill/>
+        </p:spPr>
+        <p:txBody>
+          <a:bodyPr wrap="square" rtlCol="0">
+            <a:spAutoFit/>
+          </a:bodyPr>
+          <a:lstStyle/>
+          <a:p>
+            <a:r>
+              <a:rPr lang="en-US" altLang="ko-KR" sz="1100" dirty="0"/>
+              <a:t>Output : </a:t>
+            </a:r>
+            <a:r>
+              <a:rPr lang="ko-KR" altLang="en-US" sz="1100" dirty="0"/>
+              <a:t>식사 신호</a:t>
+            </a:r>
+          </a:p>
+        </p:txBody>
+      </p:sp>
+      <p:sp>
+        <p:nvSpPr>
+          <p:cNvPr id="39" name="TextBox 38">
+            <a:extLst>
+              <a:ext uri="{FF2B5EF4-FFF2-40B4-BE49-F238E27FC236}">
+                <a16:creationId xmlns:a16="http://schemas.microsoft.com/office/drawing/2014/main" id="{A855EFC5-670B-4E3A-BBE4-4D9269544571}"/>
+              </a:ext>
+            </a:extLst>
+          </p:cNvPr>
+          <p:cNvSpPr txBox="1"/>
+          <p:nvPr/>
+        </p:nvSpPr>
+        <p:spPr>
+          <a:xfrm>
+            <a:off x="9764242" y="6560677"/>
+            <a:ext cx="1359014" cy="430887"/>
+          </a:xfrm>
+          <a:prstGeom prst="rect">
+            <a:avLst/>
+          </a:prstGeom>
+          <a:noFill/>
+        </p:spPr>
+        <p:txBody>
+          <a:bodyPr wrap="square" rtlCol="0">
+            <a:spAutoFit/>
+          </a:bodyPr>
+          <a:lstStyle/>
+          <a:p>
+            <a:r>
+              <a:rPr lang="en-US" altLang="ko-KR" sz="1100" dirty="0"/>
+              <a:t>Input : </a:t>
+            </a:r>
+            <a:r>
+              <a:rPr lang="ko-KR" altLang="en-US" sz="1100" dirty="0"/>
+              <a:t>디바이스 </a:t>
+            </a:r>
+            <a:r>
+              <a:rPr lang="en-US" altLang="ko-KR" sz="1100" dirty="0"/>
+              <a:t>ID, </a:t>
+            </a:r>
+            <a:r>
+              <a:rPr lang="ko-KR" altLang="en-US" sz="1100" dirty="0"/>
+              <a:t>디바이스 플래그</a:t>
+            </a:r>
+          </a:p>
+        </p:txBody>
+      </p:sp>
+      <p:sp>
+        <p:nvSpPr>
+          <p:cNvPr id="41" name="TextBox 40">
+            <a:extLst>
+              <a:ext uri="{FF2B5EF4-FFF2-40B4-BE49-F238E27FC236}">
+                <a16:creationId xmlns:a16="http://schemas.microsoft.com/office/drawing/2014/main" id="{098AC161-324D-4A74-AB10-FD3C59FB4BBE}"/>
+              </a:ext>
+            </a:extLst>
+          </p:cNvPr>
+          <p:cNvSpPr txBox="1"/>
+          <p:nvPr/>
+        </p:nvSpPr>
+        <p:spPr>
+          <a:xfrm>
+            <a:off x="9743899" y="8398816"/>
+            <a:ext cx="1359014" cy="261610"/>
+          </a:xfrm>
+          <a:prstGeom prst="rect">
+            <a:avLst/>
+          </a:prstGeom>
+          <a:noFill/>
+        </p:spPr>
+        <p:txBody>
+          <a:bodyPr wrap="square" rtlCol="0">
+            <a:spAutoFit/>
+          </a:bodyPr>
+          <a:lstStyle/>
+          <a:p>
+            <a:r>
+              <a:rPr lang="en-US" altLang="ko-KR" sz="1100" dirty="0"/>
+              <a:t>Input : </a:t>
+            </a:r>
+            <a:r>
+              <a:rPr lang="ko-KR" altLang="en-US" sz="1100" dirty="0"/>
+              <a:t>디바이스 </a:t>
+            </a:r>
+            <a:r>
+              <a:rPr lang="en-US" altLang="ko-KR" sz="1100" dirty="0"/>
+              <a:t>ID</a:t>
+            </a:r>
+            <a:endParaRPr lang="ko-KR" altLang="en-US" sz="1100" dirty="0"/>
+          </a:p>
+        </p:txBody>
+      </p:sp>
+      <p:sp>
+        <p:nvSpPr>
+          <p:cNvPr id="45" name="TextBox 44">
+            <a:extLst>
+              <a:ext uri="{FF2B5EF4-FFF2-40B4-BE49-F238E27FC236}">
+                <a16:creationId xmlns:a16="http://schemas.microsoft.com/office/drawing/2014/main" id="{F0052054-E6F7-4B27-BB53-9E0B49D8EABE}"/>
+              </a:ext>
+            </a:extLst>
+          </p:cNvPr>
+          <p:cNvSpPr txBox="1"/>
+          <p:nvPr/>
+        </p:nvSpPr>
+        <p:spPr>
+          <a:xfrm>
+            <a:off x="7565291" y="7112394"/>
+            <a:ext cx="838677" cy="938719"/>
+          </a:xfrm>
+          <a:prstGeom prst="rect">
+            <a:avLst/>
+          </a:prstGeom>
+          <a:noFill/>
+        </p:spPr>
+        <p:txBody>
+          <a:bodyPr wrap="square" rtlCol="0">
+            <a:spAutoFit/>
+          </a:bodyPr>
+          <a:lstStyle/>
+          <a:p>
+            <a:r>
+              <a:rPr lang="en-US" altLang="ko-KR" sz="1100" dirty="0"/>
+              <a:t>Output : </a:t>
+            </a:r>
+            <a:r>
+              <a:rPr lang="ko-KR" altLang="en-US" sz="1100" dirty="0"/>
+              <a:t>디바이스 </a:t>
+            </a:r>
+            <a:r>
+              <a:rPr lang="en-US" altLang="ko-KR" sz="1100" dirty="0"/>
+              <a:t>ID, </a:t>
+            </a:r>
+            <a:r>
+              <a:rPr lang="ko-KR" altLang="en-US" sz="1100" dirty="0"/>
+              <a:t>디바이스 플래그</a:t>
+            </a:r>
+          </a:p>
+        </p:txBody>
+      </p:sp>
+      <p:sp>
+        <p:nvSpPr>
+          <p:cNvPr id="46" name="TextBox 45">
+            <a:extLst>
+              <a:ext uri="{FF2B5EF4-FFF2-40B4-BE49-F238E27FC236}">
+                <a16:creationId xmlns:a16="http://schemas.microsoft.com/office/drawing/2014/main" id="{C39BD431-41A8-4CF8-940E-CF0441C86151}"/>
+              </a:ext>
+            </a:extLst>
+          </p:cNvPr>
+          <p:cNvSpPr txBox="1"/>
+          <p:nvPr/>
+        </p:nvSpPr>
+        <p:spPr>
+          <a:xfrm>
+            <a:off x="7289949" y="5886434"/>
+            <a:ext cx="931216" cy="769441"/>
+          </a:xfrm>
+          <a:prstGeom prst="rect">
+            <a:avLst/>
+          </a:prstGeom>
+          <a:noFill/>
+        </p:spPr>
+        <p:txBody>
+          <a:bodyPr wrap="square" rtlCol="0">
+            <a:spAutoFit/>
+          </a:bodyPr>
+          <a:lstStyle/>
+          <a:p>
+            <a:r>
+              <a:rPr lang="en-US" altLang="ko-KR" sz="1100" dirty="0"/>
+              <a:t>Input : </a:t>
+            </a:r>
+            <a:r>
+              <a:rPr lang="ko-KR" altLang="en-US" sz="1100" dirty="0"/>
+              <a:t>디바이스 </a:t>
+            </a:r>
+            <a:r>
+              <a:rPr lang="en-US" altLang="ko-KR" sz="1100" dirty="0"/>
+              <a:t>ID, </a:t>
+            </a:r>
+            <a:r>
+              <a:rPr lang="ko-KR" altLang="en-US" sz="1100" dirty="0"/>
+              <a:t>디바이스 플래그</a:t>
+            </a:r>
+          </a:p>
+        </p:txBody>
+      </p:sp>
+      <p:sp>
+        <p:nvSpPr>
+          <p:cNvPr id="48" name="TextBox 47">
+            <a:extLst>
+              <a:ext uri="{FF2B5EF4-FFF2-40B4-BE49-F238E27FC236}">
+                <a16:creationId xmlns:a16="http://schemas.microsoft.com/office/drawing/2014/main" id="{4E5329DD-CD4F-4D68-A5B1-94BE698A71F9}"/>
+              </a:ext>
+            </a:extLst>
+          </p:cNvPr>
+          <p:cNvSpPr txBox="1"/>
+          <p:nvPr/>
+        </p:nvSpPr>
+        <p:spPr>
+          <a:xfrm>
+            <a:off x="5175973" y="7022000"/>
+            <a:ext cx="931216" cy="600164"/>
+          </a:xfrm>
+          <a:prstGeom prst="rect">
+            <a:avLst/>
+          </a:prstGeom>
+          <a:noFill/>
+        </p:spPr>
+        <p:txBody>
+          <a:bodyPr wrap="square" rtlCol="0">
+            <a:spAutoFit/>
+          </a:bodyPr>
+          <a:lstStyle/>
+          <a:p>
+            <a:r>
+              <a:rPr lang="en-US" altLang="ko-KR" sz="1100" dirty="0"/>
+              <a:t>Output : </a:t>
+            </a:r>
+            <a:r>
+              <a:rPr lang="ko-KR" altLang="en-US" sz="1100" dirty="0"/>
+              <a:t>디바이스 로그</a:t>
+            </a:r>
+          </a:p>
+        </p:txBody>
+      </p:sp>
+      <p:sp>
+        <p:nvSpPr>
+          <p:cNvPr id="50" name="TextBox 49">
+            <a:extLst>
+              <a:ext uri="{FF2B5EF4-FFF2-40B4-BE49-F238E27FC236}">
+                <a16:creationId xmlns:a16="http://schemas.microsoft.com/office/drawing/2014/main" id="{118122C3-4BD3-400F-B467-377C27BB01E0}"/>
+              </a:ext>
+            </a:extLst>
+          </p:cNvPr>
+          <p:cNvSpPr txBox="1"/>
+          <p:nvPr/>
+        </p:nvSpPr>
+        <p:spPr>
+          <a:xfrm>
+            <a:off x="6069205" y="8319233"/>
+            <a:ext cx="931216" cy="600164"/>
+          </a:xfrm>
+          <a:prstGeom prst="rect">
+            <a:avLst/>
+          </a:prstGeom>
+          <a:noFill/>
+        </p:spPr>
+        <p:txBody>
+          <a:bodyPr wrap="square" rtlCol="0">
+            <a:spAutoFit/>
+          </a:bodyPr>
+          <a:lstStyle/>
+          <a:p>
+            <a:r>
+              <a:rPr lang="en-US" altLang="ko-KR" sz="1100" dirty="0"/>
+              <a:t>Output : </a:t>
+            </a:r>
+            <a:r>
+              <a:rPr lang="ko-KR" altLang="en-US" sz="1100" dirty="0"/>
+              <a:t>간식제공 신호</a:t>
+            </a:r>
+          </a:p>
+        </p:txBody>
+      </p:sp>
+      <p:sp>
+        <p:nvSpPr>
+          <p:cNvPr id="52" name="TextBox 51">
+            <a:extLst>
+              <a:ext uri="{FF2B5EF4-FFF2-40B4-BE49-F238E27FC236}">
+                <a16:creationId xmlns:a16="http://schemas.microsoft.com/office/drawing/2014/main" id="{C470AB25-030F-4E4B-ACF0-CEAEB6F5A28B}"/>
+              </a:ext>
+            </a:extLst>
+          </p:cNvPr>
+          <p:cNvSpPr txBox="1"/>
+          <p:nvPr/>
+        </p:nvSpPr>
+        <p:spPr>
+          <a:xfrm>
+            <a:off x="7611175" y="9955019"/>
+            <a:ext cx="1803258" cy="261610"/>
+          </a:xfrm>
+          <a:prstGeom prst="rect">
+            <a:avLst/>
+          </a:prstGeom>
+          <a:noFill/>
+        </p:spPr>
+        <p:txBody>
+          <a:bodyPr wrap="square" rtlCol="0">
+            <a:spAutoFit/>
+          </a:bodyPr>
+          <a:lstStyle/>
+          <a:p>
+            <a:r>
+              <a:rPr lang="en-US" altLang="ko-KR" sz="1100" dirty="0"/>
+              <a:t>Output : </a:t>
+            </a:r>
+            <a:r>
+              <a:rPr lang="ko-KR" altLang="en-US" sz="1100" dirty="0"/>
+              <a:t>식사 제공 신호</a:t>
+            </a:r>
+          </a:p>
+        </p:txBody>
+      </p:sp>
     </p:spTree>
     <p:extLst>
       <p:ext uri="{BB962C8B-B14F-4D97-AF65-F5344CB8AC3E}">
